--- a/Präsentation/2016.08.04 - Endzuststand/Suchen in statischen Texten.pptx
+++ b/Präsentation/2016.08.04 - Endzuststand/Suchen in statischen Texten.pptx
@@ -5,7 +5,7 @@
     <p:sldMasterId id="2147483648" r:id="rId1"/>
   </p:sldMasterIdLst>
   <p:notesMasterIdLst>
-    <p:notesMasterId r:id="rId25"/>
+    <p:notesMasterId r:id="rId26"/>
   </p:notesMasterIdLst>
   <p:sldIdLst>
     <p:sldId id="256" r:id="rId2"/>
@@ -20,17 +20,18 @@
     <p:sldId id="271" r:id="rId11"/>
     <p:sldId id="278" r:id="rId12"/>
     <p:sldId id="281" r:id="rId13"/>
-    <p:sldId id="272" r:id="rId14"/>
+    <p:sldId id="284" r:id="rId14"/>
     <p:sldId id="273" r:id="rId15"/>
     <p:sldId id="274" r:id="rId16"/>
     <p:sldId id="275" r:id="rId17"/>
     <p:sldId id="276" r:id="rId18"/>
-    <p:sldId id="282" r:id="rId19"/>
-    <p:sldId id="283" r:id="rId20"/>
-    <p:sldId id="268" r:id="rId21"/>
-    <p:sldId id="280" r:id="rId22"/>
-    <p:sldId id="263" r:id="rId23"/>
-    <p:sldId id="264" r:id="rId24"/>
+    <p:sldId id="272" r:id="rId19"/>
+    <p:sldId id="282" r:id="rId20"/>
+    <p:sldId id="283" r:id="rId21"/>
+    <p:sldId id="268" r:id="rId22"/>
+    <p:sldId id="280" r:id="rId23"/>
+    <p:sldId id="263" r:id="rId24"/>
+    <p:sldId id="264" r:id="rId25"/>
   </p:sldIdLst>
   <p:sldSz cx="12192000" cy="6858000"/>
   <p:notesSz cx="6858000" cy="9144000"/>
@@ -644,7 +645,7 @@
     </p:spTree>
     <p:extLst>
       <p:ext uri="{BB962C8B-B14F-4D97-AF65-F5344CB8AC3E}">
-        <p14:creationId xmlns:p14="http://schemas.microsoft.com/office/powerpoint/2010/main" val="3350072180"/>
+        <p14:creationId xmlns:p14="http://schemas.microsoft.com/office/powerpoint/2010/main" val="1957499184"/>
       </p:ext>
     </p:extLst>
   </p:cSld>
@@ -1034,7 +1035,7 @@
           <a:bodyPr/>
           <a:lstStyle/>
           <a:p>
-            <a:endParaRPr lang="de-DE" dirty="0"/>
+            <a:endParaRPr lang="de-DE" baseline="0" dirty="0"/>
           </a:p>
         </p:txBody>
       </p:sp>
@@ -1055,7 +1056,7 @@
           <a:p>
             <a:fld id="{53B9B1EE-FC3C-4283-A3CD-FE7C93F351A4}" type="slidenum">
               <a:rPr lang="de-DE" smtClean="0"/>
-              <a:t>20</a:t>
+              <a:t>18</a:t>
             </a:fld>
             <a:endParaRPr lang="de-DE"/>
           </a:p>
@@ -1064,7 +1065,7 @@
     </p:spTree>
     <p:extLst>
       <p:ext uri="{BB962C8B-B14F-4D97-AF65-F5344CB8AC3E}">
-        <p14:creationId xmlns:p14="http://schemas.microsoft.com/office/powerpoint/2010/main" val="200609504"/>
+        <p14:creationId xmlns:p14="http://schemas.microsoft.com/office/powerpoint/2010/main" val="3350072180"/>
       </p:ext>
     </p:extLst>
   </p:cSld>
@@ -1140,6 +1141,90 @@
             <a:fld id="{53B9B1EE-FC3C-4283-A3CD-FE7C93F351A4}" type="slidenum">
               <a:rPr lang="de-DE" smtClean="0"/>
               <a:t>21</a:t>
+            </a:fld>
+            <a:endParaRPr lang="de-DE"/>
+          </a:p>
+        </p:txBody>
+      </p:sp>
+    </p:spTree>
+    <p:extLst>
+      <p:ext uri="{BB962C8B-B14F-4D97-AF65-F5344CB8AC3E}">
+        <p14:creationId xmlns:p14="http://schemas.microsoft.com/office/powerpoint/2010/main" val="200609504"/>
+      </p:ext>
+    </p:extLst>
+  </p:cSld>
+  <p:clrMapOvr>
+    <a:masterClrMapping/>
+  </p:clrMapOvr>
+</p:notes>
+</file>
+
+<file path=ppt/notesSlides/notesSlide17.xml><?xml version="1.0" encoding="utf-8"?>
+<p:notes xmlns:a="http://schemas.openxmlformats.org/drawingml/2006/main" xmlns:r="http://schemas.openxmlformats.org/officeDocument/2006/relationships" xmlns:p="http://schemas.openxmlformats.org/presentationml/2006/main">
+  <p:cSld>
+    <p:spTree>
+      <p:nvGrpSpPr>
+        <p:cNvPr id="1" name=""/>
+        <p:cNvGrpSpPr/>
+        <p:nvPr/>
+      </p:nvGrpSpPr>
+      <p:grpSpPr>
+        <a:xfrm>
+          <a:off x="0" y="0"/>
+          <a:ext cx="0" cy="0"/>
+          <a:chOff x="0" y="0"/>
+          <a:chExt cx="0" cy="0"/>
+        </a:xfrm>
+      </p:grpSpPr>
+      <p:sp>
+        <p:nvSpPr>
+          <p:cNvPr id="2" name="Folienbildplatzhalter 1"/>
+          <p:cNvSpPr>
+            <a:spLocks noGrp="1" noRot="1" noChangeAspect="1"/>
+          </p:cNvSpPr>
+          <p:nvPr>
+            <p:ph type="sldImg"/>
+          </p:nvPr>
+        </p:nvSpPr>
+        <p:spPr/>
+      </p:sp>
+      <p:sp>
+        <p:nvSpPr>
+          <p:cNvPr id="3" name="Notizenplatzhalter 2"/>
+          <p:cNvSpPr>
+            <a:spLocks noGrp="1"/>
+          </p:cNvSpPr>
+          <p:nvPr>
+            <p:ph type="body" idx="1"/>
+          </p:nvPr>
+        </p:nvSpPr>
+        <p:spPr/>
+        <p:txBody>
+          <a:bodyPr/>
+          <a:lstStyle/>
+          <a:p>
+            <a:endParaRPr lang="de-DE" dirty="0"/>
+          </a:p>
+        </p:txBody>
+      </p:sp>
+      <p:sp>
+        <p:nvSpPr>
+          <p:cNvPr id="4" name="Foliennummernplatzhalter 3"/>
+          <p:cNvSpPr>
+            <a:spLocks noGrp="1"/>
+          </p:cNvSpPr>
+          <p:nvPr>
+            <p:ph type="sldNum" sz="quarter" idx="10"/>
+          </p:nvPr>
+        </p:nvSpPr>
+        <p:spPr/>
+        <p:txBody>
+          <a:bodyPr/>
+          <a:lstStyle/>
+          <a:p>
+            <a:fld id="{53B9B1EE-FC3C-4283-A3CD-FE7C93F351A4}" type="slidenum">
+              <a:rPr lang="de-DE" smtClean="0"/>
+              <a:t>22</a:t>
             </a:fld>
             <a:endParaRPr lang="de-DE"/>
           </a:p>
@@ -8160,7 +8245,7 @@
       </p:grpSpPr>
       <p:sp>
         <p:nvSpPr>
-          <p:cNvPr id="2" name="Titel 1"/>
+          <p:cNvPr id="5" name="Titel 4"/>
           <p:cNvSpPr>
             <a:spLocks noGrp="1"/>
           </p:cNvSpPr>
@@ -8168,26 +8253,21 @@
             <p:ph type="title"/>
           </p:nvPr>
         </p:nvSpPr>
-        <p:spPr>
-          <a:xfrm>
-            <a:off x="-1293395" y="288985"/>
-            <a:ext cx="10018713" cy="1752599"/>
-          </a:xfrm>
-        </p:spPr>
+        <p:spPr/>
         <p:txBody>
           <a:bodyPr/>
           <a:lstStyle/>
           <a:p>
             <a:r>
               <a:rPr lang="de-DE" dirty="0"/>
-              <a:t>Testfälle</a:t>
+              <a:t>Google Test</a:t>
             </a:r>
           </a:p>
         </p:txBody>
       </p:sp>
       <p:pic>
         <p:nvPicPr>
-          <p:cNvPr id="4" name="Inhaltsplatzhalter 3"/>
+          <p:cNvPr id="3" name="Inhaltsplatzhalter 2"/>
           <p:cNvPicPr>
             <a:picLocks noGrp="1" noChangeAspect="1"/>
           </p:cNvPicPr>
@@ -8203,15 +8283,39 @@
         </p:blipFill>
         <p:spPr>
           <a:xfrm>
-            <a:off x="6247513" y="0"/>
-            <a:ext cx="5364077" cy="6858000"/>
+            <a:off x="1484311" y="2507641"/>
+            <a:ext cx="5687219" cy="1019317"/>
           </a:xfrm>
+        </p:spPr>
+      </p:pic>
+      <p:pic>
+        <p:nvPicPr>
+          <p:cNvPr id="6" name="Grafik 5"/>
+          <p:cNvPicPr>
+            <a:picLocks noChangeAspect="1"/>
+          </p:cNvPicPr>
+          <p:nvPr/>
+        </p:nvPicPr>
+        <p:blipFill>
+          <a:blip r:embed="rId4"/>
+          <a:stretch>
+            <a:fillRect/>
+          </a:stretch>
+        </p:blipFill>
+        <p:spPr>
+          <a:xfrm>
+            <a:off x="6784689" y="3596200"/>
+            <a:ext cx="5163271" cy="3086531"/>
+          </a:xfrm>
+          <a:prstGeom prst="rect">
+            <a:avLst/>
+          </a:prstGeom>
         </p:spPr>
       </p:pic>
     </p:spTree>
     <p:extLst>
       <p:ext uri="{BB962C8B-B14F-4D97-AF65-F5344CB8AC3E}">
-        <p14:creationId xmlns:p14="http://schemas.microsoft.com/office/powerpoint/2010/main" val="1213622241"/>
+        <p14:creationId xmlns:p14="http://schemas.microsoft.com/office/powerpoint/2010/main" val="2781257859"/>
       </p:ext>
     </p:extLst>
   </p:cSld>
@@ -8553,61 +8657,50 @@
             <p:ph type="title"/>
           </p:nvPr>
         </p:nvSpPr>
-        <p:spPr/>
+        <p:spPr>
+          <a:xfrm>
+            <a:off x="-1293395" y="288985"/>
+            <a:ext cx="10018713" cy="1752599"/>
+          </a:xfrm>
+        </p:spPr>
         <p:txBody>
           <a:bodyPr/>
           <a:lstStyle/>
           <a:p>
             <a:r>
               <a:rPr lang="de-DE" dirty="0"/>
-              <a:t>Dokumentation</a:t>
-            </a:r>
-          </a:p>
-        </p:txBody>
-      </p:sp>
-      <p:sp>
-        <p:nvSpPr>
-          <p:cNvPr id="3" name="Inhaltsplatzhalter 2"/>
-          <p:cNvSpPr>
-            <a:spLocks noGrp="1"/>
-          </p:cNvSpPr>
+              <a:t>Testausgabe</a:t>
+            </a:r>
+          </a:p>
+        </p:txBody>
+      </p:sp>
+      <p:pic>
+        <p:nvPicPr>
+          <p:cNvPr id="4" name="Inhaltsplatzhalter 3"/>
+          <p:cNvPicPr>
+            <a:picLocks noGrp="1" noChangeAspect="1"/>
+          </p:cNvPicPr>
           <p:nvPr>
             <p:ph idx="1"/>
           </p:nvPr>
-        </p:nvSpPr>
-        <p:spPr/>
-        <p:txBody>
-          <a:bodyPr/>
-          <a:lstStyle/>
-          <a:p>
-            <a:r>
-              <a:rPr lang="de-DE" dirty="0" err="1"/>
-              <a:t>Github</a:t>
-            </a:r>
-            <a:r>
-              <a:rPr lang="de-DE" dirty="0"/>
-              <a:t> Wiki</a:t>
-            </a:r>
-          </a:p>
-          <a:p>
-            <a:r>
-              <a:rPr lang="de-DE" dirty="0" err="1"/>
-              <a:t>Doxygen</a:t>
-            </a:r>
-            <a:endParaRPr lang="de-DE" dirty="0"/>
-          </a:p>
-          <a:p>
-            <a:pPr marL="0" indent="0">
-              <a:buNone/>
-            </a:pPr>
-            <a:endParaRPr lang="de-DE" dirty="0"/>
-          </a:p>
-        </p:txBody>
-      </p:sp>
+        </p:nvPicPr>
+        <p:blipFill>
+          <a:blip r:embed="rId3"/>
+          <a:stretch>
+            <a:fillRect/>
+          </a:stretch>
+        </p:blipFill>
+        <p:spPr>
+          <a:xfrm>
+            <a:off x="6247513" y="0"/>
+            <a:ext cx="5364077" cy="6858000"/>
+          </a:xfrm>
+        </p:spPr>
+      </p:pic>
     </p:spTree>
     <p:extLst>
       <p:ext uri="{BB962C8B-B14F-4D97-AF65-F5344CB8AC3E}">
-        <p14:creationId xmlns:p14="http://schemas.microsoft.com/office/powerpoint/2010/main" val="3779701846"/>
+        <p14:creationId xmlns:p14="http://schemas.microsoft.com/office/powerpoint/2010/main" val="1213622241"/>
       </p:ext>
     </p:extLst>
   </p:cSld>
@@ -8649,37 +8742,56 @@
           <a:bodyPr/>
           <a:lstStyle/>
           <a:p>
-            <a:endParaRPr lang="de-DE"/>
-          </a:p>
-        </p:txBody>
-      </p:sp>
-      <p:pic>
-        <p:nvPicPr>
-          <p:cNvPr id="6" name="Inhaltsplatzhalter 5"/>
-          <p:cNvPicPr>
-            <a:picLocks noGrp="1" noChangeAspect="1"/>
-          </p:cNvPicPr>
+            <a:r>
+              <a:rPr lang="de-DE" dirty="0"/>
+              <a:t>Dokumentation</a:t>
+            </a:r>
+          </a:p>
+        </p:txBody>
+      </p:sp>
+      <p:sp>
+        <p:nvSpPr>
+          <p:cNvPr id="3" name="Inhaltsplatzhalter 2"/>
+          <p:cNvSpPr>
+            <a:spLocks noGrp="1"/>
+          </p:cNvSpPr>
           <p:nvPr>
             <p:ph idx="1"/>
           </p:nvPr>
-        </p:nvPicPr>
-        <p:blipFill>
-          <a:blip r:embed="rId2"/>
-          <a:stretch>
-            <a:fillRect/>
-          </a:stretch>
-        </p:blipFill>
-        <p:spPr>
-          <a:xfrm>
-            <a:off x="1646785" y="254480"/>
-            <a:ext cx="9693763" cy="6387860"/>
-          </a:xfrm>
-        </p:spPr>
-      </p:pic>
+        </p:nvSpPr>
+        <p:spPr/>
+        <p:txBody>
+          <a:bodyPr/>
+          <a:lstStyle/>
+          <a:p>
+            <a:r>
+              <a:rPr lang="de-DE" dirty="0" err="1"/>
+              <a:t>Github</a:t>
+            </a:r>
+            <a:r>
+              <a:rPr lang="de-DE" dirty="0"/>
+              <a:t> Wiki</a:t>
+            </a:r>
+          </a:p>
+          <a:p>
+            <a:r>
+              <a:rPr lang="de-DE" dirty="0" err="1"/>
+              <a:t>Doxygen</a:t>
+            </a:r>
+            <a:endParaRPr lang="de-DE" dirty="0"/>
+          </a:p>
+          <a:p>
+            <a:pPr marL="0" indent="0">
+              <a:buNone/>
+            </a:pPr>
+            <a:endParaRPr lang="de-DE" dirty="0"/>
+          </a:p>
+        </p:txBody>
+      </p:sp>
     </p:spTree>
     <p:extLst>
       <p:ext uri="{BB962C8B-B14F-4D97-AF65-F5344CB8AC3E}">
-        <p14:creationId xmlns:p14="http://schemas.microsoft.com/office/powerpoint/2010/main" val="643023560"/>
+        <p14:creationId xmlns:p14="http://schemas.microsoft.com/office/powerpoint/2010/main" val="3779701846"/>
       </p:ext>
     </p:extLst>
   </p:cSld>
@@ -8831,6 +8943,78 @@
           <a:bodyPr/>
           <a:lstStyle/>
           <a:p>
+            <a:endParaRPr lang="de-DE"/>
+          </a:p>
+        </p:txBody>
+      </p:sp>
+      <p:pic>
+        <p:nvPicPr>
+          <p:cNvPr id="6" name="Inhaltsplatzhalter 5"/>
+          <p:cNvPicPr>
+            <a:picLocks noGrp="1" noChangeAspect="1"/>
+          </p:cNvPicPr>
+          <p:nvPr>
+            <p:ph idx="1"/>
+          </p:nvPr>
+        </p:nvPicPr>
+        <p:blipFill>
+          <a:blip r:embed="rId2"/>
+          <a:stretch>
+            <a:fillRect/>
+          </a:stretch>
+        </p:blipFill>
+        <p:spPr>
+          <a:xfrm>
+            <a:off x="1646785" y="254480"/>
+            <a:ext cx="9693763" cy="6387860"/>
+          </a:xfrm>
+        </p:spPr>
+      </p:pic>
+    </p:spTree>
+    <p:extLst>
+      <p:ext uri="{BB962C8B-B14F-4D97-AF65-F5344CB8AC3E}">
+        <p14:creationId xmlns:p14="http://schemas.microsoft.com/office/powerpoint/2010/main" val="643023560"/>
+      </p:ext>
+    </p:extLst>
+  </p:cSld>
+  <p:clrMapOvr>
+    <a:masterClrMapping/>
+  </p:clrMapOvr>
+</p:sld>
+</file>
+
+<file path=ppt/slides/slide21.xml><?xml version="1.0" encoding="utf-8"?>
+<p:sld xmlns:a="http://schemas.openxmlformats.org/drawingml/2006/main" xmlns:r="http://schemas.openxmlformats.org/officeDocument/2006/relationships" xmlns:p="http://schemas.openxmlformats.org/presentationml/2006/main">
+  <p:cSld>
+    <p:spTree>
+      <p:nvGrpSpPr>
+        <p:cNvPr id="1" name=""/>
+        <p:cNvGrpSpPr/>
+        <p:nvPr/>
+      </p:nvGrpSpPr>
+      <p:grpSpPr>
+        <a:xfrm>
+          <a:off x="0" y="0"/>
+          <a:ext cx="0" cy="0"/>
+          <a:chOff x="0" y="0"/>
+          <a:chExt cx="0" cy="0"/>
+        </a:xfrm>
+      </p:grpSpPr>
+      <p:sp>
+        <p:nvSpPr>
+          <p:cNvPr id="2" name="Titel 1"/>
+          <p:cNvSpPr>
+            <a:spLocks noGrp="1"/>
+          </p:cNvSpPr>
+          <p:nvPr>
+            <p:ph type="title"/>
+          </p:nvPr>
+        </p:nvSpPr>
+        <p:spPr/>
+        <p:txBody>
+          <a:bodyPr/>
+          <a:lstStyle/>
+          <a:p>
             <a:r>
               <a:rPr lang="de-DE" dirty="0"/>
               <a:t>Evaluierung</a:t>
@@ -8925,7 +9109,7 @@
 </p:sld>
 </file>
 
-<file path=ppt/slides/slide21.xml><?xml version="1.0" encoding="utf-8"?>
+<file path=ppt/slides/slide22.xml><?xml version="1.0" encoding="utf-8"?>
 <p:sld xmlns:a="http://schemas.openxmlformats.org/drawingml/2006/main" xmlns:r="http://schemas.openxmlformats.org/officeDocument/2006/relationships" xmlns:p="http://schemas.openxmlformats.org/presentationml/2006/main">
   <p:cSld>
     <p:spTree>
@@ -9322,7 +9506,7 @@
 </p:sld>
 </file>
 
-<file path=ppt/slides/slide22.xml><?xml version="1.0" encoding="utf-8"?>
+<file path=ppt/slides/slide23.xml><?xml version="1.0" encoding="utf-8"?>
 <p:sld xmlns:a="http://schemas.openxmlformats.org/drawingml/2006/main" xmlns:r="http://schemas.openxmlformats.org/officeDocument/2006/relationships" xmlns:p="http://schemas.openxmlformats.org/presentationml/2006/main">
   <p:cSld>
     <p:spTree>
@@ -9400,7 +9584,7 @@
 </p:sld>
 </file>
 
-<file path=ppt/slides/slide23.xml><?xml version="1.0" encoding="utf-8"?>
+<file path=ppt/slides/slide24.xml><?xml version="1.0" encoding="utf-8"?>
 <p:sld xmlns:a="http://schemas.openxmlformats.org/drawingml/2006/main" xmlns:r="http://schemas.openxmlformats.org/officeDocument/2006/relationships" xmlns:p="http://schemas.openxmlformats.org/presentationml/2006/main">
   <p:cSld>
     <p:spTree>
